--- a/CPP(2~12)/07_구조체,클래스.pptx
+++ b/CPP(2~12)/07_구조체,클래스.pptx
@@ -246,7 +246,7 @@
           <a:p>
             <a:fld id="{2229C11E-4EF0-425E-89BA-56B170901842}" type="datetimeFigureOut">
               <a:rPr lang="ko-KR" altLang="en-US" smtClean="0"/>
-              <a:t>2023-09-11</a:t>
+              <a:t>2024-01-25</a:t>
             </a:fld>
             <a:endParaRPr lang="ko-KR" altLang="en-US"/>
           </a:p>
@@ -1484,7 +1484,7 @@
           <a:p>
             <a:fld id="{9C6F2426-F011-4048-96E6-328581C59A1B}" type="datetimeFigureOut">
               <a:rPr lang="ko-KR" altLang="en-US" smtClean="0"/>
-              <a:t>2023-09-11</a:t>
+              <a:t>2024-01-25</a:t>
             </a:fld>
             <a:endParaRPr lang="ko-KR" altLang="en-US"/>
           </a:p>
@@ -1682,7 +1682,7 @@
           <a:p>
             <a:fld id="{9C6F2426-F011-4048-96E6-328581C59A1B}" type="datetimeFigureOut">
               <a:rPr lang="ko-KR" altLang="en-US" smtClean="0"/>
-              <a:t>2023-09-11</a:t>
+              <a:t>2024-01-25</a:t>
             </a:fld>
             <a:endParaRPr lang="ko-KR" altLang="en-US"/>
           </a:p>
@@ -1890,7 +1890,7 @@
           <a:p>
             <a:fld id="{9C6F2426-F011-4048-96E6-328581C59A1B}" type="datetimeFigureOut">
               <a:rPr lang="ko-KR" altLang="en-US" smtClean="0"/>
-              <a:t>2023-09-11</a:t>
+              <a:t>2024-01-25</a:t>
             </a:fld>
             <a:endParaRPr lang="ko-KR" altLang="en-US"/>
           </a:p>
@@ -2088,7 +2088,7 @@
           <a:p>
             <a:fld id="{9C6F2426-F011-4048-96E6-328581C59A1B}" type="datetimeFigureOut">
               <a:rPr lang="ko-KR" altLang="en-US" smtClean="0"/>
-              <a:t>2023-09-11</a:t>
+              <a:t>2024-01-25</a:t>
             </a:fld>
             <a:endParaRPr lang="ko-KR" altLang="en-US"/>
           </a:p>
@@ -2363,7 +2363,7 @@
           <a:p>
             <a:fld id="{9C6F2426-F011-4048-96E6-328581C59A1B}" type="datetimeFigureOut">
               <a:rPr lang="ko-KR" altLang="en-US" smtClean="0"/>
-              <a:t>2023-09-11</a:t>
+              <a:t>2024-01-25</a:t>
             </a:fld>
             <a:endParaRPr lang="ko-KR" altLang="en-US"/>
           </a:p>
@@ -2628,7 +2628,7 @@
           <a:p>
             <a:fld id="{9C6F2426-F011-4048-96E6-328581C59A1B}" type="datetimeFigureOut">
               <a:rPr lang="ko-KR" altLang="en-US" smtClean="0"/>
-              <a:t>2023-09-11</a:t>
+              <a:t>2024-01-25</a:t>
             </a:fld>
             <a:endParaRPr lang="ko-KR" altLang="en-US"/>
           </a:p>
@@ -3040,7 +3040,7 @@
           <a:p>
             <a:fld id="{9C6F2426-F011-4048-96E6-328581C59A1B}" type="datetimeFigureOut">
               <a:rPr lang="ko-KR" altLang="en-US" smtClean="0"/>
-              <a:t>2023-09-11</a:t>
+              <a:t>2024-01-25</a:t>
             </a:fld>
             <a:endParaRPr lang="ko-KR" altLang="en-US"/>
           </a:p>
@@ -3181,7 +3181,7 @@
           <a:p>
             <a:fld id="{9C6F2426-F011-4048-96E6-328581C59A1B}" type="datetimeFigureOut">
               <a:rPr lang="ko-KR" altLang="en-US" smtClean="0"/>
-              <a:t>2023-09-11</a:t>
+              <a:t>2024-01-25</a:t>
             </a:fld>
             <a:endParaRPr lang="ko-KR" altLang="en-US"/>
           </a:p>
@@ -3294,7 +3294,7 @@
           <a:p>
             <a:fld id="{9C6F2426-F011-4048-96E6-328581C59A1B}" type="datetimeFigureOut">
               <a:rPr lang="ko-KR" altLang="en-US" smtClean="0"/>
-              <a:t>2023-09-11</a:t>
+              <a:t>2024-01-25</a:t>
             </a:fld>
             <a:endParaRPr lang="ko-KR" altLang="en-US"/>
           </a:p>
@@ -3605,7 +3605,7 @@
           <a:p>
             <a:fld id="{9C6F2426-F011-4048-96E6-328581C59A1B}" type="datetimeFigureOut">
               <a:rPr lang="ko-KR" altLang="en-US" smtClean="0"/>
-              <a:t>2023-09-11</a:t>
+              <a:t>2024-01-25</a:t>
             </a:fld>
             <a:endParaRPr lang="ko-KR" altLang="en-US"/>
           </a:p>
@@ -3893,7 +3893,7 @@
           <a:p>
             <a:fld id="{9C6F2426-F011-4048-96E6-328581C59A1B}" type="datetimeFigureOut">
               <a:rPr lang="ko-KR" altLang="en-US" smtClean="0"/>
-              <a:t>2023-09-11</a:t>
+              <a:t>2024-01-25</a:t>
             </a:fld>
             <a:endParaRPr lang="ko-KR" altLang="en-US"/>
           </a:p>
@@ -4134,7 +4134,7 @@
           <a:p>
             <a:fld id="{9C6F2426-F011-4048-96E6-328581C59A1B}" type="datetimeFigureOut">
               <a:rPr lang="ko-KR" altLang="en-US" smtClean="0"/>
-              <a:t>2023-09-11</a:t>
+              <a:t>2024-01-25</a:t>
             </a:fld>
             <a:endParaRPr lang="ko-KR" altLang="en-US"/>
           </a:p>
@@ -4591,19 +4591,15 @@
                 <a:latin typeface="Kim jung chul Gothic Bold" panose="020B0803000000000000" pitchFamily="50" charset="-127"/>
                 <a:ea typeface="Kim jung chul Gothic Bold" panose="020B0803000000000000" pitchFamily="50" charset="-127"/>
               </a:rPr>
-              <a:t>3</a:t>
-            </a:r>
-            <a:r>
-              <a:rPr lang="ko-KR" altLang="en-US" b="1" spc="300">
+              <a:t>4</a:t>
+            </a:r>
+            <a:r>
+              <a:rPr lang="ko-KR" altLang="en-US" b="1" spc="300" dirty="0">
                 <a:latin typeface="Kim jung chul Gothic Bold" panose="020B0803000000000000" pitchFamily="50" charset="-127"/>
                 <a:ea typeface="Kim jung chul Gothic Bold" panose="020B0803000000000000" pitchFamily="50" charset="-127"/>
               </a:rPr>
               <a:t>기</a:t>
             </a:r>
-            <a:endParaRPr lang="ko-KR" altLang="en-US" b="1" spc="300" dirty="0">
-              <a:latin typeface="Kim jung chul Gothic Bold" panose="020B0803000000000000" pitchFamily="50" charset="-127"/>
-              <a:ea typeface="Kim jung chul Gothic Bold" panose="020B0803000000000000" pitchFamily="50" charset="-127"/>
-            </a:endParaRPr>
           </a:p>
         </p:txBody>
       </p:sp>
